--- a/Goodreads Book Recommendation.pptx
+++ b/Goodreads Book Recommendation.pptx
@@ -223,7 +223,7 @@
           <a:p>
             <a:fld id="{59088EAF-6ECA-4616-85EF-35AA19C641F3}" type="datetimeFigureOut">
               <a:rPr lang="en-US"/>
-              <a:t>18-Feb-20</a:t>
+              <a:t>19-Feb-20</a:t>
             </a:fld>
             <a:endParaRPr/>
           </a:p>
@@ -388,7 +388,7 @@
           <a:p>
             <a:fld id="{3ABD2D7A-D230-4F91-BD59-0A39C2703BA8}" type="datetimeFigureOut">
               <a:rPr lang="en-US"/>
-              <a:t>18-Feb-20</a:t>
+              <a:t>19-Feb-20</a:t>
             </a:fld>
             <a:endParaRPr/>
           </a:p>
@@ -997,7 +997,7 @@
           <a:p>
             <a:fld id="{03F41C87-7AD9-4845-A077-840E4A0F3F06}" type="datetimeFigureOut">
               <a:rPr lang="en-US"/>
-              <a:t>18-Feb-20</a:t>
+              <a:t>19-Feb-20</a:t>
             </a:fld>
             <a:endParaRPr/>
           </a:p>
@@ -1189,7 +1189,7 @@
           <a:p>
             <a:fld id="{03F41C87-7AD9-4845-A077-840E4A0F3F06}" type="datetimeFigureOut">
               <a:rPr lang="en-US"/>
-              <a:t>18-Feb-20</a:t>
+              <a:t>19-Feb-20</a:t>
             </a:fld>
             <a:endParaRPr/>
           </a:p>
@@ -1378,7 +1378,7 @@
           <a:p>
             <a:fld id="{03F41C87-7AD9-4845-A077-840E4A0F3F06}" type="datetimeFigureOut">
               <a:rPr lang="en-US"/>
-              <a:t>18-Feb-20</a:t>
+              <a:t>19-Feb-20</a:t>
             </a:fld>
             <a:endParaRPr/>
           </a:p>
@@ -1658,7 +1658,7 @@
           <a:p>
             <a:fld id="{03F41C87-7AD9-4845-A077-840E4A0F3F06}" type="datetimeFigureOut">
               <a:rPr lang="en-US"/>
-              <a:t>18-Feb-20</a:t>
+              <a:t>19-Feb-20</a:t>
             </a:fld>
             <a:endParaRPr/>
           </a:p>
@@ -1962,7 +1962,7 @@
           <a:p>
             <a:fld id="{03F41C87-7AD9-4845-A077-840E4A0F3F06}" type="datetimeFigureOut">
               <a:rPr lang="en-US"/>
-              <a:t>18-Feb-20</a:t>
+              <a:t>19-Feb-20</a:t>
             </a:fld>
             <a:endParaRPr/>
           </a:p>
@@ -2418,7 +2418,7 @@
           <a:p>
             <a:fld id="{03F41C87-7AD9-4845-A077-840E4A0F3F06}" type="datetimeFigureOut">
               <a:rPr lang="en-US"/>
-              <a:t>18-Feb-20</a:t>
+              <a:t>19-Feb-20</a:t>
             </a:fld>
             <a:endParaRPr/>
           </a:p>
@@ -2548,7 +2548,7 @@
           <a:p>
             <a:fld id="{03F41C87-7AD9-4845-A077-840E4A0F3F06}" type="datetimeFigureOut">
               <a:rPr lang="en-US"/>
-              <a:t>18-Feb-20</a:t>
+              <a:t>19-Feb-20</a:t>
             </a:fld>
             <a:endParaRPr/>
           </a:p>
@@ -2663,7 +2663,7 @@
           <a:p>
             <a:fld id="{03F41C87-7AD9-4845-A077-840E4A0F3F06}" type="datetimeFigureOut">
               <a:rPr lang="en-US"/>
-              <a:t>18-Feb-20</a:t>
+              <a:t>19-Feb-20</a:t>
             </a:fld>
             <a:endParaRPr/>
           </a:p>
@@ -2985,7 +2985,7 @@
           <a:p>
             <a:fld id="{03F41C87-7AD9-4845-A077-840E4A0F3F06}" type="datetimeFigureOut">
               <a:rPr lang="en-US"/>
-              <a:t>18-Feb-20</a:t>
+              <a:t>19-Feb-20</a:t>
             </a:fld>
             <a:endParaRPr/>
           </a:p>
@@ -3297,7 +3297,7 @@
             <a:fld id="{03F41C87-7AD9-4845-A077-840E4A0F3F06}" type="datetimeFigureOut">
               <a:rPr lang="en-US"/>
               <a:pPr/>
-              <a:t>18-Feb-20</a:t>
+              <a:t>19-Feb-20</a:t>
             </a:fld>
             <a:endParaRPr/>
           </a:p>
@@ -3551,7 +3551,7 @@
             <a:fld id="{03F41C87-7AD9-4845-A077-840E4A0F3F06}" type="datetimeFigureOut">
               <a:rPr lang="en-US" smtClean="0"/>
               <a:pPr/>
-              <a:t>18-Feb-20</a:t>
+              <a:t>19-Feb-20</a:t>
             </a:fld>
             <a:endParaRPr lang="en-US"/>
           </a:p>
@@ -4635,15 +4635,7 @@
           <a:p>
             <a:r>
               <a:rPr lang="en-US" dirty="0"/>
-              <a:t>I use book’s </a:t>
-            </a:r>
-            <a:r>
-              <a:rPr lang="en-US"/>
-              <a:t>genre or </a:t>
-            </a:r>
-            <a:r>
-              <a:rPr lang="en-US" dirty="0"/>
-              <a:t>author feature to create the recommendation system</a:t>
+              <a:t>I use book’s genre or author feature to create the recommendation system</a:t>
             </a:r>
           </a:p>
           <a:p>
@@ -4748,6 +4740,12 @@
             <a:r>
               <a:rPr lang="en-US" dirty="0"/>
               <a:t>Business user can attract people who love reading book with their needs of book recommendation based on what they like.</a:t>
+            </a:r>
+          </a:p>
+          <a:p>
+            <a:r>
+              <a:rPr lang="en-US" dirty="0"/>
+              <a:t>Business user can automatically targeting ads or promo based one what people search and want.</a:t>
             </a:r>
           </a:p>
         </p:txBody>
